--- a/Life as we  know Intro Slides.pptx
+++ b/Life as we  know Intro Slides.pptx
@@ -9,6 +9,7 @@
     <p:sldId id="311" r:id="rId6"/>
     <p:sldId id="310" r:id="rId7"/>
     <p:sldId id="312" r:id="rId8"/>
+    <p:sldId id="313" r:id="rId9"/>
   </p:sldIdLst>
   <p:sldSz cx="12192000" cy="6858000"/>
   <p:notesSz cx="6858000" cy="9144000"/>
@@ -584,7 +585,7 @@
           <a:p>
             <a:fld id="{EA0C0817-A112-4847-8014-A94B7D2A4EA3}" type="datetime1">
               <a:rPr lang="en-US" smtClean="0"/>
-              <a:t>8/9/2021</a:t>
+              <a:t>8/10/2021</a:t>
             </a:fld>
             <a:endParaRPr lang="en-US" dirty="0"/>
           </a:p>
@@ -786,7 +787,7 @@
           <a:p>
             <a:fld id="{7332B432-ACDA-4023-A761-2BAB76577B62}" type="datetime1">
               <a:rPr lang="en-US" smtClean="0"/>
-              <a:t>8/9/2021</a:t>
+              <a:t>8/10/2021</a:t>
             </a:fld>
             <a:endParaRPr lang="en-US" dirty="0"/>
           </a:p>
@@ -1385,7 +1386,7 @@
           <a:p>
             <a:fld id="{D9C646AA-F36E-4540-911D-FFFC0A0EF24A}" type="datetime1">
               <a:rPr lang="en-US" smtClean="0"/>
-              <a:t>8/9/2021</a:t>
+              <a:t>8/10/2021</a:t>
             </a:fld>
             <a:endParaRPr lang="en-US" dirty="0"/>
           </a:p>
@@ -1705,7 +1706,7 @@
           <a:p>
             <a:fld id="{69186D26-FA5F-4637-B602-B7C2DC34CFD4}" type="datetime1">
               <a:rPr lang="en-US" smtClean="0"/>
-              <a:t>8/9/2021</a:t>
+              <a:t>8/10/2021</a:t>
             </a:fld>
             <a:endParaRPr lang="en-US" dirty="0"/>
           </a:p>
@@ -2142,7 +2143,7 @@
           <a:p>
             <a:fld id="{8A7F15D8-96D1-4781-BC50-CA8A088B2FE4}" type="datetime1">
               <a:rPr lang="en-US" smtClean="0"/>
-              <a:t>8/9/2021</a:t>
+              <a:t>8/10/2021</a:t>
             </a:fld>
             <a:endParaRPr lang="en-US" dirty="0"/>
           </a:p>
@@ -2260,7 +2261,7 @@
           <a:p>
             <a:fld id="{F9A96C99-B8F8-4528-BD05-0E16E943DC09}" type="datetime1">
               <a:rPr lang="en-US" smtClean="0"/>
-              <a:t>8/9/2021</a:t>
+              <a:t>8/10/2021</a:t>
             </a:fld>
             <a:endParaRPr lang="en-US" dirty="0"/>
           </a:p>
@@ -2355,7 +2356,7 @@
           <a:p>
             <a:fld id="{03636942-C211-4B28-8DBD-C953E00AF71B}" type="datetime1">
               <a:rPr lang="en-US" smtClean="0"/>
-              <a:t>8/9/2021</a:t>
+              <a:t>8/10/2021</a:t>
             </a:fld>
             <a:endParaRPr lang="en-US" dirty="0"/>
           </a:p>
@@ -2772,7 +2773,7 @@
           <a:p>
             <a:fld id="{7E8D12A6-918A-48BD-8CB9-CA713993B0EA}" type="datetime1">
               <a:rPr lang="en-US" smtClean="0"/>
-              <a:t>8/9/2021</a:t>
+              <a:t>8/10/2021</a:t>
             </a:fld>
             <a:endParaRPr lang="en-US" dirty="0"/>
           </a:p>
@@ -3034,7 +3035,7 @@
             <a:fld id="{E778CE86-875F-4587-BCF6-FA054AFC0D53}" type="datetime1">
               <a:rPr lang="en-US" smtClean="0"/>
               <a:pPr/>
-              <a:t>8/9/2021</a:t>
+              <a:t>8/10/2021</a:t>
             </a:fld>
             <a:endParaRPr lang="en-US" dirty="0"/>
           </a:p>
@@ -3550,7 +3551,7 @@
           <a:p>
             <a:fld id="{F6FA2B21-3FCD-4721-B95C-427943F61125}" type="datetime1">
               <a:rPr lang="en-US" smtClean="0"/>
-              <a:t>8/9/2021</a:t>
+              <a:t>8/10/2021</a:t>
             </a:fld>
             <a:endParaRPr lang="en-US" dirty="0"/>
           </a:p>
@@ -4175,12 +4176,12 @@
           <a:lstStyle/>
           <a:p>
             <a:r>
-              <a:rPr lang="en-US" sz="4400" dirty="0">
+              <a:rPr lang="en-US" sz="2800" dirty="0">
                 <a:solidFill>
                   <a:schemeClr val="tx1"/>
                 </a:solidFill>
               </a:rPr>
-              <a:t>Life as we  know.</a:t>
+              <a:t>Mortality  Risks / Life Expectancy </a:t>
             </a:r>
           </a:p>
         </p:txBody>
@@ -4537,7 +4538,7 @@
           <a:p>
             <a:r>
               <a:rPr lang="en-US" sz="2400" dirty="0"/>
-              <a:t>Walk through an Interactive Tableau Dashboard discussing key topics</a:t>
+              <a:t>Navigate through a Tableau Dashboard discussing key topics and questions</a:t>
             </a:r>
           </a:p>
         </p:txBody>
@@ -4596,7 +4597,7 @@
             <a:pPr algn="ctr"/>
             <a:r>
               <a:rPr lang="en-US" b="1" dirty="0"/>
-              <a:t>The Process</a:t>
+              <a:t>The Process </a:t>
             </a:r>
             <a:r>
               <a:rPr lang="en-US" sz="1800" b="1" dirty="0"/>
@@ -4658,6 +4659,149 @@
     <p:extLst>
       <p:ext uri="{BB962C8B-B14F-4D97-AF65-F5344CB8AC3E}">
         <p14:creationId xmlns:p14="http://schemas.microsoft.com/office/powerpoint/2010/main" val="2188628473"/>
+      </p:ext>
+    </p:extLst>
+  </p:cSld>
+  <p:clrMapOvr>
+    <a:masterClrMapping/>
+  </p:clrMapOvr>
+</p:sld>
+</file>
+
+<file path=ppt/slides/slide5.xml><?xml version="1.0" encoding="utf-8"?>
+<p:sld xmlns:a="http://schemas.openxmlformats.org/drawingml/2006/main" xmlns:r="http://schemas.openxmlformats.org/officeDocument/2006/relationships" xmlns:p="http://schemas.openxmlformats.org/presentationml/2006/main">
+  <p:cSld>
+    <p:spTree>
+      <p:nvGrpSpPr>
+        <p:cNvPr id="1" name=""/>
+        <p:cNvGrpSpPr/>
+        <p:nvPr/>
+      </p:nvGrpSpPr>
+      <p:grpSpPr>
+        <a:xfrm>
+          <a:off x="0" y="0"/>
+          <a:ext cx="0" cy="0"/>
+          <a:chOff x="0" y="0"/>
+          <a:chExt cx="0" cy="0"/>
+        </a:xfrm>
+      </p:grpSpPr>
+      <p:sp>
+        <p:nvSpPr>
+          <p:cNvPr id="2" name="Title 1">
+            <a:extLst>
+              <a:ext uri="{FF2B5EF4-FFF2-40B4-BE49-F238E27FC236}">
+                <a16:creationId xmlns:a16="http://schemas.microsoft.com/office/drawing/2014/main" id="{A8660B59-3BB1-46FD-A506-1DFA7A03F6BE}"/>
+              </a:ext>
+            </a:extLst>
+          </p:cNvPr>
+          <p:cNvSpPr>
+            <a:spLocks noGrp="1"/>
+          </p:cNvSpPr>
+          <p:nvPr>
+            <p:ph type="title"/>
+          </p:nvPr>
+        </p:nvSpPr>
+        <p:spPr/>
+        <p:txBody>
+          <a:bodyPr/>
+          <a:lstStyle/>
+          <a:p>
+            <a:pPr algn="ctr"/>
+            <a:r>
+              <a:rPr lang="en-US" b="1" dirty="0"/>
+              <a:t>Key Notes</a:t>
+            </a:r>
+          </a:p>
+        </p:txBody>
+      </p:sp>
+      <p:sp>
+        <p:nvSpPr>
+          <p:cNvPr id="3" name="Content Placeholder 2">
+            <a:extLst>
+              <a:ext uri="{FF2B5EF4-FFF2-40B4-BE49-F238E27FC236}">
+                <a16:creationId xmlns:a16="http://schemas.microsoft.com/office/drawing/2014/main" id="{0F12E1B1-BAA6-4040-B742-4976D8922D45}"/>
+              </a:ext>
+            </a:extLst>
+          </p:cNvPr>
+          <p:cNvSpPr>
+            <a:spLocks noGrp="1"/>
+          </p:cNvSpPr>
+          <p:nvPr>
+            <p:ph idx="1"/>
+          </p:nvPr>
+        </p:nvSpPr>
+        <p:spPr/>
+        <p:txBody>
+          <a:bodyPr/>
+          <a:lstStyle/>
+          <a:p>
+            <a:r>
+              <a:rPr lang="en-US" sz="3600" b="0" i="0" dirty="0">
+                <a:solidFill>
+                  <a:srgbClr val="24292F"/>
+                </a:solidFill>
+                <a:effectLst/>
+                <a:latin typeface="-apple-system"/>
+              </a:rPr>
+              <a:t>Probability of death (Mortality Risk) is measured in </a:t>
+            </a:r>
+            <a:r>
+              <a:rPr lang="en-US" sz="3600" b="0" i="0" u="sng" dirty="0">
+                <a:solidFill>
+                  <a:srgbClr val="24292F"/>
+                </a:solidFill>
+                <a:effectLst/>
+                <a:latin typeface="-apple-system"/>
+              </a:rPr>
+              <a:t>PERCENTAGE</a:t>
+            </a:r>
+          </a:p>
+          <a:p>
+            <a:pPr marL="0" indent="0">
+              <a:buNone/>
+            </a:pPr>
+            <a:endParaRPr lang="en-US" sz="3600" b="0" i="0" u="sng" dirty="0">
+              <a:solidFill>
+                <a:srgbClr val="24292F"/>
+              </a:solidFill>
+              <a:effectLst/>
+              <a:latin typeface="-apple-system"/>
+            </a:endParaRPr>
+          </a:p>
+          <a:p>
+            <a:r>
+              <a:rPr lang="en-US" sz="3600" b="0" i="0" dirty="0">
+                <a:solidFill>
+                  <a:srgbClr val="24292F"/>
+                </a:solidFill>
+                <a:effectLst/>
+                <a:latin typeface="-apple-system"/>
+              </a:rPr>
+              <a:t>Life expectancy is measured at birth in </a:t>
+            </a:r>
+            <a:r>
+              <a:rPr lang="en-US" sz="3600" b="0" i="0" u="sng" dirty="0">
+                <a:solidFill>
+                  <a:srgbClr val="24292F"/>
+                </a:solidFill>
+                <a:effectLst/>
+                <a:latin typeface="-apple-system"/>
+              </a:rPr>
+              <a:t>YEARS</a:t>
+            </a:r>
+          </a:p>
+          <a:p>
+            <a:pPr marL="0" indent="0">
+              <a:buNone/>
+            </a:pPr>
+            <a:endParaRPr lang="en-US" dirty="0"/>
+          </a:p>
+        </p:txBody>
+      </p:sp>
+    </p:spTree>
+    <p:extLst>
+      <p:ext uri="{BB962C8B-B14F-4D97-AF65-F5344CB8AC3E}">
+        <p14:creationId xmlns:p14="http://schemas.microsoft.com/office/powerpoint/2010/main" val="1736687654"/>
       </p:ext>
     </p:extLst>
   </p:cSld>
@@ -4987,24 +5131,6 @@
 </file>
 
 <file path=customXml/item1.xml><?xml version="1.0" encoding="utf-8"?>
-<?mso-contentType ?>
-<FormTemplates xmlns="http://schemas.microsoft.com/sharepoint/v3/contenttype/forms">
-  <Display>DocumentLibraryForm</Display>
-  <Edit>DocumentLibraryForm</Edit>
-  <New>DocumentLibraryForm</New>
-</FormTemplates>
-</file>
-
-<file path=customXml/item2.xml><?xml version="1.0" encoding="utf-8"?>
-<p:properties xmlns:p="http://schemas.microsoft.com/office/2006/metadata/properties" xmlns:xsi="http://www.w3.org/2001/XMLSchema-instance" xmlns:pc="http://schemas.microsoft.com/office/infopath/2007/PartnerControls">
-  <documentManagement>
-    <Status xmlns="71af3243-3dd4-4a8d-8c0d-dd76da1f02a5">Not started</Status>
-    <MediaServiceKeyPoints xmlns="71af3243-3dd4-4a8d-8c0d-dd76da1f02a5" xsi:nil="true"/>
-  </documentManagement>
-</p:properties>
-</file>
-
-<file path=customXml/item3.xml><?xml version="1.0" encoding="utf-8"?>
 <ct:contentTypeSchema xmlns:ct="http://schemas.microsoft.com/office/2006/metadata/contentType" xmlns:ma="http://schemas.microsoft.com/office/2006/metadata/properties/metaAttributes" ct:_="" ma:_="" ma:contentTypeName="Document" ma:contentTypeID="0x01010079F111ED35F8CC479449609E8A0923A6" ma:contentTypeVersion="12" ma:contentTypeDescription="Create a new document." ma:contentTypeScope="" ma:versionID="a410dd7f93c95333ffa1b60ed6adedd1">
   <xsd:schema xmlns:xsd="http://www.w3.org/2001/XMLSchema" xmlns:xs="http://www.w3.org/2001/XMLSchema" xmlns:p="http://schemas.microsoft.com/office/2006/metadata/properties" xmlns:ns2="71af3243-3dd4-4a8d-8c0d-dd76da1f02a5" xmlns:ns3="16c05727-aa75-4e4a-9b5f-8a80a1165891" targetNamespace="http://schemas.microsoft.com/office/2006/metadata/properties" ma:root="true" ma:fieldsID="a936d9baba76aa3866493feff160faab" ns2:_="" ns3:_="">
     <xsd:import namespace="71af3243-3dd4-4a8d-8c0d-dd76da1f02a5"/>
@@ -5225,25 +5351,25 @@
 </ct:contentTypeSchema>
 </file>
 
-<file path=customXml/itemProps1.xml><?xml version="1.0" encoding="utf-8"?>
-<ds:datastoreItem xmlns:ds="http://schemas.openxmlformats.org/officeDocument/2006/customXml" ds:itemID="{AE2713E1-6312-427E-BFCB-C5A5DA301373}">
-  <ds:schemaRefs>
-    <ds:schemaRef ds:uri="http://schemas.microsoft.com/sharepoint/v3/contenttype/forms"/>
-  </ds:schemaRefs>
-</ds:datastoreItem>
+<file path=customXml/item2.xml><?xml version="1.0" encoding="utf-8"?>
+<p:properties xmlns:p="http://schemas.microsoft.com/office/2006/metadata/properties" xmlns:xsi="http://www.w3.org/2001/XMLSchema-instance" xmlns:pc="http://schemas.microsoft.com/office/infopath/2007/PartnerControls">
+  <documentManagement>
+    <Status xmlns="71af3243-3dd4-4a8d-8c0d-dd76da1f02a5">Not started</Status>
+    <MediaServiceKeyPoints xmlns="71af3243-3dd4-4a8d-8c0d-dd76da1f02a5" xsi:nil="true"/>
+  </documentManagement>
+</p:properties>
 </file>
 
-<file path=customXml/itemProps2.xml><?xml version="1.0" encoding="utf-8"?>
-<ds:datastoreItem xmlns:ds="http://schemas.openxmlformats.org/officeDocument/2006/customXml" ds:itemID="{52F3B215-496E-4790-A364-7C1C46DEC771}">
-  <ds:schemaRefs>
-    <ds:schemaRef ds:uri="http://schemas.microsoft.com/office/2006/metadata/properties"/>
-    <ds:schemaRef ds:uri="http://schemas.microsoft.com/office/infopath/2007/PartnerControls"/>
-    <ds:schemaRef ds:uri="71af3243-3dd4-4a8d-8c0d-dd76da1f02a5"/>
-  </ds:schemaRefs>
-</ds:datastoreItem>
+<file path=customXml/item3.xml><?xml version="1.0" encoding="utf-8"?>
+<?mso-contentType ?>
+<FormTemplates xmlns="http://schemas.microsoft.com/sharepoint/v3/contenttype/forms">
+  <Display>DocumentLibraryForm</Display>
+  <Edit>DocumentLibraryForm</Edit>
+  <New>DocumentLibraryForm</New>
+</FormTemplates>
 </file>
 
-<file path=customXml/itemProps3.xml><?xml version="1.0" encoding="utf-8"?>
+<file path=customXml/itemProps1.xml><?xml version="1.0" encoding="utf-8"?>
 <ds:datastoreItem xmlns:ds="http://schemas.openxmlformats.org/officeDocument/2006/customXml" ds:itemID="{50DB95DD-0319-4EE5-8C5C-9CEDF75E024B}">
   <ds:schemaRefs>
     <ds:schemaRef ds:uri="http://schemas.microsoft.com/office/2006/metadata/contentType"/>
@@ -5260,4 +5386,22 @@
     <ds:schemaRef ds:uri="http://schemas.microsoft.com/internal/obd"/>
   </ds:schemaRefs>
 </ds:datastoreItem>
+</file>
+
+<file path=customXml/itemProps2.xml><?xml version="1.0" encoding="utf-8"?>
+<ds:datastoreItem xmlns:ds="http://schemas.openxmlformats.org/officeDocument/2006/customXml" ds:itemID="{52F3B215-496E-4790-A364-7C1C46DEC771}">
+  <ds:schemaRefs>
+    <ds:schemaRef ds:uri="http://schemas.microsoft.com/office/2006/metadata/properties"/>
+    <ds:schemaRef ds:uri="http://schemas.microsoft.com/office/infopath/2007/PartnerControls"/>
+    <ds:schemaRef ds:uri="71af3243-3dd4-4a8d-8c0d-dd76da1f02a5"/>
+  </ds:schemaRefs>
+</ds:datastoreItem>
+</file>
+
+<file path=customXml/itemProps3.xml><?xml version="1.0" encoding="utf-8"?>
+<ds:datastoreItem xmlns:ds="http://schemas.openxmlformats.org/officeDocument/2006/customXml" ds:itemID="{AE2713E1-6312-427E-BFCB-C5A5DA301373}">
+  <ds:schemaRefs>
+    <ds:schemaRef ds:uri="http://schemas.microsoft.com/sharepoint/v3/contenttype/forms"/>
+  </ds:schemaRefs>
+</ds:datastoreItem>
 </file>